--- a/chapter16/图片/pic.pptx
+++ b/chapter16/图片/pic.pptx
@@ -195,7 +195,7 @@
           <a:p>
             <a:fld id="{C2310B45-589A-4A2A-8B78-CD2971E8C0E5}" type="datetimeFigureOut">
               <a:rPr lang="zh-CN" altLang="en-US" smtClean="0"/>
-              <a:t>2020/3/29</a:t>
+              <a:t>2020/6/17</a:t>
             </a:fld>
             <a:endParaRPr lang="zh-CN" altLang="en-US"/>
           </a:p>
@@ -896,7 +896,7 @@
           <a:p>
             <a:fld id="{530820CF-B880-4189-942D-D702A7CBA730}" type="datetimeFigureOut">
               <a:rPr lang="zh-CN" altLang="en-US" smtClean="0"/>
-              <a:t>2020/3/29</a:t>
+              <a:t>2020/6/17</a:t>
             </a:fld>
             <a:endParaRPr lang="zh-CN" altLang="en-US"/>
           </a:p>
@@ -1061,7 +1061,7 @@
           <a:p>
             <a:fld id="{530820CF-B880-4189-942D-D702A7CBA730}" type="datetimeFigureOut">
               <a:rPr lang="zh-CN" altLang="en-US" smtClean="0"/>
-              <a:t>2020/3/29</a:t>
+              <a:t>2020/6/17</a:t>
             </a:fld>
             <a:endParaRPr lang="zh-CN" altLang="en-US"/>
           </a:p>
@@ -1236,7 +1236,7 @@
           <a:p>
             <a:fld id="{530820CF-B880-4189-942D-D702A7CBA730}" type="datetimeFigureOut">
               <a:rPr lang="zh-CN" altLang="en-US" smtClean="0"/>
-              <a:t>2020/3/29</a:t>
+              <a:t>2020/6/17</a:t>
             </a:fld>
             <a:endParaRPr lang="zh-CN" altLang="en-US"/>
           </a:p>
@@ -1401,7 +1401,7 @@
           <a:p>
             <a:fld id="{530820CF-B880-4189-942D-D702A7CBA730}" type="datetimeFigureOut">
               <a:rPr lang="zh-CN" altLang="en-US" smtClean="0"/>
-              <a:t>2020/3/29</a:t>
+              <a:t>2020/6/17</a:t>
             </a:fld>
             <a:endParaRPr lang="zh-CN" altLang="en-US"/>
           </a:p>
@@ -1642,7 +1642,7 @@
           <a:p>
             <a:fld id="{530820CF-B880-4189-942D-D702A7CBA730}" type="datetimeFigureOut">
               <a:rPr lang="zh-CN" altLang="en-US" smtClean="0"/>
-              <a:t>2020/3/29</a:t>
+              <a:t>2020/6/17</a:t>
             </a:fld>
             <a:endParaRPr lang="zh-CN" altLang="en-US"/>
           </a:p>
@@ -1925,7 +1925,7 @@
           <a:p>
             <a:fld id="{530820CF-B880-4189-942D-D702A7CBA730}" type="datetimeFigureOut">
               <a:rPr lang="zh-CN" altLang="en-US" smtClean="0"/>
-              <a:t>2020/3/29</a:t>
+              <a:t>2020/6/17</a:t>
             </a:fld>
             <a:endParaRPr lang="zh-CN" altLang="en-US"/>
           </a:p>
@@ -2342,7 +2342,7 @@
           <a:p>
             <a:fld id="{530820CF-B880-4189-942D-D702A7CBA730}" type="datetimeFigureOut">
               <a:rPr lang="zh-CN" altLang="en-US" smtClean="0"/>
-              <a:t>2020/3/29</a:t>
+              <a:t>2020/6/17</a:t>
             </a:fld>
             <a:endParaRPr lang="zh-CN" altLang="en-US"/>
           </a:p>
@@ -2455,7 +2455,7 @@
           <a:p>
             <a:fld id="{530820CF-B880-4189-942D-D702A7CBA730}" type="datetimeFigureOut">
               <a:rPr lang="zh-CN" altLang="en-US" smtClean="0"/>
-              <a:t>2020/3/29</a:t>
+              <a:t>2020/6/17</a:t>
             </a:fld>
             <a:endParaRPr lang="zh-CN" altLang="en-US"/>
           </a:p>
@@ -2545,7 +2545,7 @@
           <a:p>
             <a:fld id="{530820CF-B880-4189-942D-D702A7CBA730}" type="datetimeFigureOut">
               <a:rPr lang="zh-CN" altLang="en-US" smtClean="0"/>
-              <a:t>2020/3/29</a:t>
+              <a:t>2020/6/17</a:t>
             </a:fld>
             <a:endParaRPr lang="zh-CN" altLang="en-US"/>
           </a:p>
@@ -2817,7 +2817,7 @@
           <a:p>
             <a:fld id="{530820CF-B880-4189-942D-D702A7CBA730}" type="datetimeFigureOut">
               <a:rPr lang="zh-CN" altLang="en-US" smtClean="0"/>
-              <a:t>2020/3/29</a:t>
+              <a:t>2020/6/17</a:t>
             </a:fld>
             <a:endParaRPr lang="zh-CN" altLang="en-US"/>
           </a:p>
@@ -3065,7 +3065,7 @@
           <a:p>
             <a:fld id="{530820CF-B880-4189-942D-D702A7CBA730}" type="datetimeFigureOut">
               <a:rPr lang="zh-CN" altLang="en-US" smtClean="0"/>
-              <a:t>2020/3/29</a:t>
+              <a:t>2020/6/17</a:t>
             </a:fld>
             <a:endParaRPr lang="zh-CN" altLang="en-US"/>
           </a:p>
@@ -3273,7 +3273,7 @@
           <a:p>
             <a:fld id="{530820CF-B880-4189-942D-D702A7CBA730}" type="datetimeFigureOut">
               <a:rPr lang="zh-CN" altLang="en-US" smtClean="0"/>
-              <a:t>2020/3/29</a:t>
+              <a:t>2020/6/17</a:t>
             </a:fld>
             <a:endParaRPr lang="zh-CN" altLang="en-US"/>
           </a:p>
@@ -4653,36 +4653,6 @@
           </a:fontRef>
         </p:style>
       </p:cxnSp>
-      <p:sp>
-        <p:nvSpPr>
-          <p:cNvPr id="54" name="TextBox 53"/>
-          <p:cNvSpPr txBox="1"/>
-          <p:nvPr/>
-        </p:nvSpPr>
-        <p:spPr>
-          <a:xfrm>
-            <a:off x="480566" y="4437112"/>
-            <a:ext cx="2333281" cy="584775"/>
-          </a:xfrm>
-          <a:prstGeom prst="rect">
-            <a:avLst/>
-          </a:prstGeom>
-          <a:noFill/>
-        </p:spPr>
-        <p:txBody>
-          <a:bodyPr wrap="square" rtlCol="0">
-            <a:spAutoFit/>
-          </a:bodyPr>
-          <a:lstStyle/>
-          <a:p>
-            <a:r>
-              <a:rPr lang="zh-CN" altLang="en-US" sz="3200" b="1" dirty="0" smtClean="0"/>
-              <a:t>实际拆分</a:t>
-            </a:r>
-            <a:endParaRPr lang="zh-CN" altLang="en-US" sz="3200" b="1" dirty="0"/>
-          </a:p>
-        </p:txBody>
-      </p:sp>
       <p:cxnSp>
         <p:nvCxnSpPr>
           <p:cNvPr id="55" name="直接连接符 54"/>
@@ -4716,36 +4686,6 @@
           </a:fontRef>
         </p:style>
       </p:cxnSp>
-      <p:sp>
-        <p:nvSpPr>
-          <p:cNvPr id="56" name="TextBox 55"/>
-          <p:cNvSpPr txBox="1"/>
-          <p:nvPr/>
-        </p:nvSpPr>
-        <p:spPr>
-          <a:xfrm>
-            <a:off x="4665499" y="4463589"/>
-            <a:ext cx="2333281" cy="584775"/>
-          </a:xfrm>
-          <a:prstGeom prst="rect">
-            <a:avLst/>
-          </a:prstGeom>
-          <a:noFill/>
-        </p:spPr>
-        <p:txBody>
-          <a:bodyPr wrap="square" rtlCol="0">
-            <a:spAutoFit/>
-          </a:bodyPr>
-          <a:lstStyle/>
-          <a:p>
-            <a:r>
-              <a:rPr lang="zh-CN" altLang="en-US" sz="3200" b="1" dirty="0" smtClean="0"/>
-              <a:t>理想拆分</a:t>
-            </a:r>
-            <a:endParaRPr lang="zh-CN" altLang="en-US" sz="3200" b="1" dirty="0"/>
-          </a:p>
-        </p:txBody>
-      </p:sp>
       <p:sp>
         <p:nvSpPr>
           <p:cNvPr id="57" name="AutoShape 2" descr="https://images2015.cnblogs.com/blog/1042406/201612/1042406-20161222112847323-1346197243.png"/>
@@ -7298,8 +7238,8 @@
           </a:p>
         </p:txBody>
       </p:sp>
-      <mc:AlternateContent xmlns:mc="http://schemas.openxmlformats.org/markup-compatibility/2006">
-        <mc:Choice xmlns:a14="http://schemas.microsoft.com/office/drawing/2010/main" Requires="a14">
+      <mc:AlternateContent xmlns:mc="http://schemas.openxmlformats.org/markup-compatibility/2006" xmlns:a14="http://schemas.microsoft.com/office/drawing/2010/main">
+        <mc:Choice Requires="a14">
           <p:sp>
             <p:nvSpPr>
               <p:cNvPr id="4" name="TextBox 3"/>
@@ -7368,7 +7308,7 @@
             </p:txBody>
           </p:sp>
         </mc:Choice>
-        <mc:Fallback>
+        <mc:Fallback xmlns="">
           <p:sp>
             <p:nvSpPr>
               <p:cNvPr id="4" name="TextBox 3"/>
@@ -7407,8 +7347,8 @@
           </p:sp>
         </mc:Fallback>
       </mc:AlternateContent>
-      <mc:AlternateContent xmlns:mc="http://schemas.openxmlformats.org/markup-compatibility/2006">
-        <mc:Choice xmlns:a14="http://schemas.microsoft.com/office/drawing/2010/main" Requires="a14">
+      <mc:AlternateContent xmlns:mc="http://schemas.openxmlformats.org/markup-compatibility/2006" xmlns:a14="http://schemas.microsoft.com/office/drawing/2010/main">
+        <mc:Choice Requires="a14">
           <p:sp>
             <p:nvSpPr>
               <p:cNvPr id="71" name="TextBox 70"/>
@@ -7469,7 +7409,7 @@
             </p:txBody>
           </p:sp>
         </mc:Choice>
-        <mc:Fallback>
+        <mc:Fallback xmlns="">
           <p:sp>
             <p:nvSpPr>
               <p:cNvPr id="71" name="TextBox 70"/>
@@ -8631,8 +8571,8 @@
           </a:p>
         </p:txBody>
       </p:sp>
-      <mc:AlternateContent xmlns:mc="http://schemas.openxmlformats.org/markup-compatibility/2006">
-        <mc:Choice xmlns:a14="http://schemas.microsoft.com/office/drawing/2010/main" Requires="a14">
+      <mc:AlternateContent xmlns:mc="http://schemas.openxmlformats.org/markup-compatibility/2006" xmlns:a14="http://schemas.microsoft.com/office/drawing/2010/main">
+        <mc:Choice Requires="a14">
           <p:sp>
             <p:nvSpPr>
               <p:cNvPr id="4" name="TextBox 3"/>
@@ -8701,7 +8641,7 @@
             </p:txBody>
           </p:sp>
         </mc:Choice>
-        <mc:Fallback>
+        <mc:Fallback xmlns="">
           <p:sp>
             <p:nvSpPr>
               <p:cNvPr id="4" name="TextBox 3"/>
@@ -8864,7 +8804,7 @@
         <a:sysClr val="windowText" lastClr="000000"/>
       </a:dk1>
       <a:lt1>
-        <a:sysClr val="window" lastClr="CCE8CF"/>
+        <a:sysClr val="window" lastClr="FFFFFF"/>
       </a:lt1>
       <a:dk2>
         <a:srgbClr val="1F497D"/>
@@ -9147,7 +9087,7 @@
         <a:sysClr val="windowText" lastClr="000000"/>
       </a:dk1>
       <a:lt1>
-        <a:sysClr val="window" lastClr="CCE8CF"/>
+        <a:sysClr val="window" lastClr="FFFFFF"/>
       </a:lt1>
       <a:dk2>
         <a:srgbClr val="1F497D"/>
